--- a/AdaboostRegression_PPT.pptx
+++ b/AdaboostRegression_PPT.pptx
@@ -10,7 +10,8 @@
     <p:sldId id="258" r:id="rId4"/>
     <p:sldId id="259" r:id="rId5"/>
     <p:sldId id="260" r:id="rId6"/>
-    <p:sldId id="262" r:id="rId7"/>
+    <p:sldId id="263" r:id="rId7"/>
+    <p:sldId id="262" r:id="rId8"/>
   </p:sldIdLst>
   <p:sldSz cx="12192000" cy="6858000"/>
   <p:notesSz cx="6858000" cy="9144000"/>
@@ -14386,6 +14387,304 @@
       </p:grpSpPr>
       <p:sp>
         <p:nvSpPr>
+          <p:cNvPr id="2" name="TextBox 1">
+            <a:extLst>
+              <a:ext uri="{FF2B5EF4-FFF2-40B4-BE49-F238E27FC236}">
+                <a16:creationId xmlns:a16="http://schemas.microsoft.com/office/drawing/2014/main" id="{E9F3CF89-B2E0-8B4A-9B94-91C1A4118B7A}"/>
+              </a:ext>
+            </a:extLst>
+          </p:cNvPr>
+          <p:cNvSpPr txBox="1"/>
+          <p:nvPr/>
+        </p:nvSpPr>
+        <p:spPr>
+          <a:xfrm>
+            <a:off x="1119883" y="852755"/>
+            <a:ext cx="8876872" cy="369332"/>
+          </a:xfrm>
+          <a:prstGeom prst="rect">
+            <a:avLst/>
+          </a:prstGeom>
+          <a:noFill/>
+        </p:spPr>
+        <p:txBody>
+          <a:bodyPr wrap="square" rtlCol="0">
+            <a:spAutoFit/>
+          </a:bodyPr>
+          <a:lstStyle/>
+          <a:p>
+            <a:r>
+              <a:rPr lang="en-IN" b="1" dirty="0"/>
+              <a:t>Advantages of </a:t>
+            </a:r>
+            <a:r>
+              <a:rPr lang="en-IN" b="1" dirty="0" err="1"/>
+              <a:t>Adaboost</a:t>
+            </a:r>
+            <a:r>
+              <a:rPr lang="en-IN" b="1" dirty="0"/>
+              <a:t> Algorithm</a:t>
+            </a:r>
+          </a:p>
+        </p:txBody>
+      </p:sp>
+      <p:sp>
+        <p:nvSpPr>
+          <p:cNvPr id="3" name="TextBox 2">
+            <a:extLst>
+              <a:ext uri="{FF2B5EF4-FFF2-40B4-BE49-F238E27FC236}">
+                <a16:creationId xmlns:a16="http://schemas.microsoft.com/office/drawing/2014/main" id="{3AF1DF5E-7DEA-0CA1-F606-55DD21590758}"/>
+              </a:ext>
+            </a:extLst>
+          </p:cNvPr>
+          <p:cNvSpPr txBox="1"/>
+          <p:nvPr/>
+        </p:nvSpPr>
+        <p:spPr>
+          <a:xfrm>
+            <a:off x="1035979" y="1356188"/>
+            <a:ext cx="9565241" cy="1477328"/>
+          </a:xfrm>
+          <a:prstGeom prst="rect">
+            <a:avLst/>
+          </a:prstGeom>
+          <a:noFill/>
+        </p:spPr>
+        <p:txBody>
+          <a:bodyPr wrap="square" rtlCol="0">
+            <a:spAutoFit/>
+          </a:bodyPr>
+          <a:lstStyle/>
+          <a:p>
+            <a:pPr algn="l">
+              <a:buFont typeface="+mj-lt"/>
+              <a:buAutoNum type="arabicPeriod"/>
+            </a:pPr>
+            <a:r>
+              <a:rPr lang="en-US" dirty="0">
+                <a:solidFill>
+                  <a:srgbClr val="474747"/>
+                </a:solidFill>
+                <a:latin typeface="Google Sans"/>
+              </a:rPr>
+              <a:t>Can handle binary and multi-class classification problems.</a:t>
+            </a:r>
+          </a:p>
+          <a:p>
+            <a:pPr algn="l">
+              <a:buFont typeface="+mj-lt"/>
+              <a:buAutoNum type="arabicPeriod"/>
+            </a:pPr>
+            <a:r>
+              <a:rPr lang="en-US" dirty="0">
+                <a:solidFill>
+                  <a:srgbClr val="474747"/>
+                </a:solidFill>
+                <a:latin typeface="Google Sans"/>
+              </a:rPr>
+              <a:t>Can handle noisy data and outliers.</a:t>
+            </a:r>
+          </a:p>
+          <a:p>
+            <a:pPr algn="l">
+              <a:buFont typeface="+mj-lt"/>
+              <a:buAutoNum type="arabicPeriod"/>
+            </a:pPr>
+            <a:r>
+              <a:rPr lang="en-US" dirty="0">
+                <a:solidFill>
+                  <a:srgbClr val="474747"/>
+                </a:solidFill>
+                <a:latin typeface="Google Sans"/>
+              </a:rPr>
+              <a:t>Has a high degree of interpretability, since it relies on simple weak classifiers that can be easily          understood.</a:t>
+            </a:r>
+          </a:p>
+          <a:p>
+            <a:pPr algn="l">
+              <a:buFont typeface="+mj-lt"/>
+              <a:buAutoNum type="arabicPeriod"/>
+            </a:pPr>
+            <a:r>
+              <a:rPr lang="en-US" dirty="0">
+                <a:solidFill>
+                  <a:srgbClr val="474747"/>
+                </a:solidFill>
+                <a:latin typeface="Google Sans"/>
+              </a:rPr>
+              <a:t>Often results in high accuracy and outperforms other algorithms in many scenarios</a:t>
+            </a:r>
+            <a:r>
+              <a:rPr lang="en-US" dirty="0"/>
+              <a:t>.</a:t>
+            </a:r>
+          </a:p>
+        </p:txBody>
+      </p:sp>
+      <p:sp>
+        <p:nvSpPr>
+          <p:cNvPr id="4" name="TextBox 3">
+            <a:extLst>
+              <a:ext uri="{FF2B5EF4-FFF2-40B4-BE49-F238E27FC236}">
+                <a16:creationId xmlns:a16="http://schemas.microsoft.com/office/drawing/2014/main" id="{B9D45E3E-D875-C988-8538-14E33CF612E9}"/>
+              </a:ext>
+            </a:extLst>
+          </p:cNvPr>
+          <p:cNvSpPr txBox="1"/>
+          <p:nvPr/>
+        </p:nvSpPr>
+        <p:spPr>
+          <a:xfrm>
+            <a:off x="1035979" y="3429857"/>
+            <a:ext cx="8876872" cy="369332"/>
+          </a:xfrm>
+          <a:prstGeom prst="rect">
+            <a:avLst/>
+          </a:prstGeom>
+          <a:noFill/>
+        </p:spPr>
+        <p:txBody>
+          <a:bodyPr wrap="square" rtlCol="0">
+            <a:spAutoFit/>
+          </a:bodyPr>
+          <a:lstStyle/>
+          <a:p>
+            <a:r>
+              <a:rPr lang="en-IN" b="1" dirty="0"/>
+              <a:t>Disadvantages of </a:t>
+            </a:r>
+            <a:r>
+              <a:rPr lang="en-IN" b="1" dirty="0" err="1"/>
+              <a:t>Adaboost</a:t>
+            </a:r>
+            <a:r>
+              <a:rPr lang="en-IN" b="1" dirty="0"/>
+              <a:t> Algorithm</a:t>
+            </a:r>
+          </a:p>
+        </p:txBody>
+      </p:sp>
+      <p:sp>
+        <p:nvSpPr>
+          <p:cNvPr id="5" name="TextBox 4">
+            <a:extLst>
+              <a:ext uri="{FF2B5EF4-FFF2-40B4-BE49-F238E27FC236}">
+                <a16:creationId xmlns:a16="http://schemas.microsoft.com/office/drawing/2014/main" id="{EA23A1CA-6E6D-0994-3AB1-99F8CB0D7AB8}"/>
+              </a:ext>
+            </a:extLst>
+          </p:cNvPr>
+          <p:cNvSpPr txBox="1"/>
+          <p:nvPr/>
+        </p:nvSpPr>
+        <p:spPr>
+          <a:xfrm>
+            <a:off x="1118171" y="3933290"/>
+            <a:ext cx="9565241" cy="1477328"/>
+          </a:xfrm>
+          <a:prstGeom prst="rect">
+            <a:avLst/>
+          </a:prstGeom>
+          <a:noFill/>
+        </p:spPr>
+        <p:txBody>
+          <a:bodyPr wrap="square" rtlCol="0">
+            <a:spAutoFit/>
+          </a:bodyPr>
+          <a:lstStyle/>
+          <a:p>
+            <a:pPr indent="-342900">
+              <a:buFont typeface="+mj-lt"/>
+              <a:buAutoNum type="arabicPeriod"/>
+            </a:pPr>
+            <a:r>
+              <a:rPr lang="en-US" dirty="0">
+                <a:solidFill>
+                  <a:srgbClr val="474747"/>
+                </a:solidFill>
+                <a:latin typeface="Google Sans"/>
+              </a:rPr>
+              <a:t>Sensitive to noisy data and outliers that are not properly preprocessed.</a:t>
+            </a:r>
+          </a:p>
+          <a:p>
+            <a:pPr indent="-342900">
+              <a:buFont typeface="+mj-lt"/>
+              <a:buAutoNum type="arabicPeriod"/>
+            </a:pPr>
+            <a:r>
+              <a:rPr lang="en-US" dirty="0">
+                <a:solidFill>
+                  <a:srgbClr val="474747"/>
+                </a:solidFill>
+                <a:latin typeface="Google Sans"/>
+              </a:rPr>
+              <a:t>Can be computationally expensive, especially with large datasets.</a:t>
+            </a:r>
+          </a:p>
+          <a:p>
+            <a:pPr indent="-342900">
+              <a:buFont typeface="+mj-lt"/>
+              <a:buAutoNum type="arabicPeriod"/>
+            </a:pPr>
+            <a:r>
+              <a:rPr lang="en-US" dirty="0">
+                <a:solidFill>
+                  <a:srgbClr val="474747"/>
+                </a:solidFill>
+                <a:latin typeface="Google Sans"/>
+              </a:rPr>
+              <a:t>Can lead to overfitting if the weak classifiers are too complex or if the number of boosting iterations is too high.</a:t>
+            </a:r>
+          </a:p>
+          <a:p>
+            <a:pPr indent="-342900">
+              <a:buFont typeface="+mj-lt"/>
+              <a:buAutoNum type="arabicPeriod"/>
+            </a:pPr>
+            <a:r>
+              <a:rPr lang="en-US" dirty="0">
+                <a:solidFill>
+                  <a:srgbClr val="474747"/>
+                </a:solidFill>
+                <a:latin typeface="Google Sans"/>
+              </a:rPr>
+              <a:t>Requires careful parameter tuning to achieve optimal performance.</a:t>
+            </a:r>
+          </a:p>
+        </p:txBody>
+      </p:sp>
+    </p:spTree>
+    <p:extLst>
+      <p:ext uri="{BB962C8B-B14F-4D97-AF65-F5344CB8AC3E}">
+        <p14:creationId xmlns:p14="http://schemas.microsoft.com/office/powerpoint/2010/main" val="76248785"/>
+      </p:ext>
+    </p:extLst>
+  </p:cSld>
+  <p:clrMapOvr>
+    <a:masterClrMapping/>
+  </p:clrMapOvr>
+</p:sld>
+</file>
+
+<file path=ppt/slides/slide7.xml><?xml version="1.0" encoding="utf-8"?>
+<p:sld xmlns:a="http://schemas.openxmlformats.org/drawingml/2006/main" xmlns:r="http://schemas.openxmlformats.org/officeDocument/2006/relationships" xmlns:p="http://schemas.openxmlformats.org/presentationml/2006/main">
+  <p:cSld>
+    <p:spTree>
+      <p:nvGrpSpPr>
+        <p:cNvPr id="1" name=""/>
+        <p:cNvGrpSpPr/>
+        <p:nvPr/>
+      </p:nvGrpSpPr>
+      <p:grpSpPr>
+        <a:xfrm>
+          <a:off x="0" y="0"/>
+          <a:ext cx="0" cy="0"/>
+          <a:chOff x="0" y="0"/>
+          <a:chExt cx="0" cy="0"/>
+        </a:xfrm>
+      </p:grpSpPr>
+      <p:sp>
+        <p:nvSpPr>
           <p:cNvPr id="2" name="Title 1">
             <a:extLst>
               <a:ext uri="{FF2B5EF4-FFF2-40B4-BE49-F238E27FC236}">
